--- a/folded_gilbert/試作/20240130/集積回路設計ミーティング.pptx
+++ b/folded_gilbert/試作/20240130/集積回路設計ミーティング.pptx
@@ -5,13 +5,17 @@
     <p:sldMasterId id="2147483648" r:id="rId1"/>
   </p:sldMasterIdLst>
   <p:notesMasterIdLst>
-    <p:notesMasterId r:id="rId6"/>
+    <p:notesMasterId r:id="rId10"/>
   </p:notesMasterIdLst>
   <p:sldIdLst>
     <p:sldId id="256" r:id="rId2"/>
-    <p:sldId id="258" r:id="rId3"/>
-    <p:sldId id="259" r:id="rId4"/>
-    <p:sldId id="257" r:id="rId5"/>
+    <p:sldId id="263" r:id="rId3"/>
+    <p:sldId id="258" r:id="rId4"/>
+    <p:sldId id="259" r:id="rId5"/>
+    <p:sldId id="257" r:id="rId6"/>
+    <p:sldId id="260" r:id="rId7"/>
+    <p:sldId id="261" r:id="rId8"/>
+    <p:sldId id="262" r:id="rId9"/>
   </p:sldIdLst>
   <p:sldSz cx="12192000" cy="6858000"/>
   <p:notesSz cx="6858000" cy="9144000"/>
@@ -200,7 +204,7 @@
           <a:p>
             <a:fld id="{F8456487-DC86-474A-B4EE-F658698A396D}" type="datetimeFigureOut">
               <a:rPr kumimoji="1" lang="ja-JP" altLang="en-US" smtClean="0"/>
-              <a:t>2024/1/29</a:t>
+              <a:t>2024/1/30</a:t>
             </a:fld>
             <a:endParaRPr kumimoji="1" lang="ja-JP" altLang="en-US"/>
           </a:p>
@@ -4728,7 +4732,38 @@
           <a:bodyPr/>
           <a:lstStyle/>
           <a:p>
-            <a:endParaRPr kumimoji="1" lang="ja-JP" altLang="en-US"/>
+            <a:r>
+              <a:rPr kumimoji="1" lang="en-US" altLang="ja-JP" dirty="0"/>
+              <a:t>2024</a:t>
+            </a:r>
+            <a:r>
+              <a:rPr kumimoji="1" lang="ja-JP" altLang="en-US" dirty="0"/>
+              <a:t>年</a:t>
+            </a:r>
+            <a:r>
+              <a:rPr kumimoji="1" lang="en-US" altLang="ja-JP" dirty="0"/>
+              <a:t>1</a:t>
+            </a:r>
+            <a:r>
+              <a:rPr kumimoji="1" lang="ja-JP" altLang="en-US" dirty="0"/>
+              <a:t>月</a:t>
+            </a:r>
+            <a:r>
+              <a:rPr kumimoji="1" lang="en-US" altLang="ja-JP" dirty="0"/>
+              <a:t>30</a:t>
+            </a:r>
+            <a:r>
+              <a:rPr kumimoji="1" lang="ja-JP" altLang="en-US" dirty="0"/>
+              <a:t>日　</a:t>
+            </a:r>
+            <a:r>
+              <a:rPr kumimoji="1" lang="en-US" altLang="ja-JP" dirty="0"/>
+              <a:t>B4</a:t>
+            </a:r>
+            <a:r>
+              <a:rPr kumimoji="1" lang="ja-JP" altLang="en-US" dirty="0"/>
+              <a:t>　小島光</a:t>
+            </a:r>
           </a:p>
         </p:txBody>
       </p:sp>
@@ -4854,6 +4889,240 @@
           <p:cNvPr id="2" name="タイトル 1">
             <a:extLst>
               <a:ext uri="{FF2B5EF4-FFF2-40B4-BE49-F238E27FC236}">
+                <a16:creationId xmlns:a16="http://schemas.microsoft.com/office/drawing/2014/main" id="{2FFF4B22-4771-3438-5264-748A7868D407}"/>
+              </a:ext>
+            </a:extLst>
+          </p:cNvPr>
+          <p:cNvSpPr>
+            <a:spLocks noGrp="1"/>
+          </p:cNvSpPr>
+          <p:nvPr>
+            <p:ph type="title"/>
+          </p:nvPr>
+        </p:nvSpPr>
+        <p:spPr/>
+        <p:txBody>
+          <a:bodyPr/>
+          <a:lstStyle/>
+          <a:p>
+            <a:r>
+              <a:rPr kumimoji="1" lang="ja-JP" altLang="en-US" dirty="0"/>
+              <a:t>目次</a:t>
+            </a:r>
+          </a:p>
+        </p:txBody>
+      </p:sp>
+      <p:sp>
+        <p:nvSpPr>
+          <p:cNvPr id="4" name="日付プレースホルダー 3">
+            <a:extLst>
+              <a:ext uri="{FF2B5EF4-FFF2-40B4-BE49-F238E27FC236}">
+                <a16:creationId xmlns:a16="http://schemas.microsoft.com/office/drawing/2014/main" id="{B75A99BF-3951-3E98-3548-7966D99C03FB}"/>
+              </a:ext>
+            </a:extLst>
+          </p:cNvPr>
+          <p:cNvSpPr>
+            <a:spLocks noGrp="1"/>
+          </p:cNvSpPr>
+          <p:nvPr>
+            <p:ph type="dt" sz="half" idx="10"/>
+          </p:nvPr>
+        </p:nvSpPr>
+        <p:spPr/>
+        <p:txBody>
+          <a:bodyPr/>
+          <a:lstStyle/>
+          <a:p>
+            <a:r>
+              <a:rPr kumimoji="1" lang="en-US" altLang="ja-JP"/>
+              <a:t>2024/1/30</a:t>
+            </a:r>
+            <a:endParaRPr kumimoji="1" lang="ja-JP" altLang="en-US"/>
+          </a:p>
+        </p:txBody>
+      </p:sp>
+      <p:sp>
+        <p:nvSpPr>
+          <p:cNvPr id="5" name="スライド番号プレースホルダー 4">
+            <a:extLst>
+              <a:ext uri="{FF2B5EF4-FFF2-40B4-BE49-F238E27FC236}">
+                <a16:creationId xmlns:a16="http://schemas.microsoft.com/office/drawing/2014/main" id="{EAE1CB1C-0178-0CD8-4C3E-1982CD6CD9D9}"/>
+              </a:ext>
+            </a:extLst>
+          </p:cNvPr>
+          <p:cNvSpPr>
+            <a:spLocks noGrp="1"/>
+          </p:cNvSpPr>
+          <p:nvPr>
+            <p:ph type="sldNum" sz="quarter" idx="12"/>
+          </p:nvPr>
+        </p:nvSpPr>
+        <p:spPr/>
+        <p:txBody>
+          <a:bodyPr/>
+          <a:lstStyle/>
+          <a:p>
+            <a:fld id="{6294761A-CFE9-4878-87A7-90ECABD59CE5}" type="slidenum">
+              <a:rPr kumimoji="1" lang="ja-JP" altLang="en-US" smtClean="0"/>
+              <a:t>2</a:t>
+            </a:fld>
+            <a:endParaRPr kumimoji="1" lang="ja-JP" altLang="en-US"/>
+          </a:p>
+        </p:txBody>
+      </p:sp>
+      <p:sp>
+        <p:nvSpPr>
+          <p:cNvPr id="6" name="フッター プレースホルダー 5">
+            <a:extLst>
+              <a:ext uri="{FF2B5EF4-FFF2-40B4-BE49-F238E27FC236}">
+                <a16:creationId xmlns:a16="http://schemas.microsoft.com/office/drawing/2014/main" id="{89993164-33B8-112C-929D-F186F3FD589D}"/>
+              </a:ext>
+            </a:extLst>
+          </p:cNvPr>
+          <p:cNvSpPr>
+            <a:spLocks noGrp="1"/>
+          </p:cNvSpPr>
+          <p:nvPr>
+            <p:ph type="ftr" sz="quarter" idx="3"/>
+          </p:nvPr>
+        </p:nvSpPr>
+        <p:spPr/>
+        <p:txBody>
+          <a:bodyPr/>
+          <a:lstStyle/>
+          <a:p>
+            <a:r>
+              <a:rPr lang="en-US" altLang="ja-JP"/>
+              <a:t>Wave Signal Processing Circuit Laboratory,  Meiji University</a:t>
+            </a:r>
+            <a:endParaRPr lang="en-US" altLang="ja-JP" dirty="0"/>
+          </a:p>
+        </p:txBody>
+      </p:sp>
+      <p:sp>
+        <p:nvSpPr>
+          <p:cNvPr id="7" name="テキスト ボックス 6">
+            <a:extLst>
+              <a:ext uri="{FF2B5EF4-FFF2-40B4-BE49-F238E27FC236}">
+                <a16:creationId xmlns:a16="http://schemas.microsoft.com/office/drawing/2014/main" id="{8AB138CE-668A-9FDE-81A5-85C59AF89233}"/>
+              </a:ext>
+            </a:extLst>
+          </p:cNvPr>
+          <p:cNvSpPr txBox="1"/>
+          <p:nvPr/>
+        </p:nvSpPr>
+        <p:spPr>
+          <a:xfrm>
+            <a:off x="2981936" y="2542903"/>
+            <a:ext cx="6228128" cy="2246769"/>
+          </a:xfrm>
+          <a:prstGeom prst="rect">
+            <a:avLst/>
+          </a:prstGeom>
+          <a:noFill/>
+        </p:spPr>
+        <p:txBody>
+          <a:bodyPr wrap="square" rtlCol="0">
+            <a:spAutoFit/>
+          </a:bodyPr>
+          <a:lstStyle/>
+          <a:p>
+            <a:pPr marL="285750" indent="-285750" algn="l">
+              <a:buFont typeface="Arial" panose="020B0604020202020204" pitchFamily="34" charset="0"/>
+              <a:buChar char="•"/>
+            </a:pPr>
+            <a:r>
+              <a:rPr kumimoji="1" lang="ja-JP" altLang="en-US" sz="2800" dirty="0">
+                <a:latin typeface="BKM-cmr10" panose="020B0501010101010101" pitchFamily="34" charset="2"/>
+              </a:rPr>
+              <a:t>カレントミラーのばらつき</a:t>
+            </a:r>
+            <a:endParaRPr kumimoji="1" lang="en-US" altLang="ja-JP" sz="2800" dirty="0">
+              <a:latin typeface="BKM-cmr10" panose="020B0501010101010101" pitchFamily="34" charset="2"/>
+            </a:endParaRPr>
+          </a:p>
+          <a:p>
+            <a:pPr marL="285750" indent="-285750" algn="l">
+              <a:buFont typeface="Arial" panose="020B0604020202020204" pitchFamily="34" charset="0"/>
+              <a:buChar char="•"/>
+            </a:pPr>
+            <a:endParaRPr lang="en-US" altLang="ja-JP" sz="2800" dirty="0">
+              <a:latin typeface="BKM-cmr10" panose="020B0501010101010101" pitchFamily="34" charset="2"/>
+            </a:endParaRPr>
+          </a:p>
+          <a:p>
+            <a:pPr marL="285750" indent="-285750" algn="l">
+              <a:buFont typeface="Arial" panose="020B0604020202020204" pitchFamily="34" charset="0"/>
+              <a:buChar char="•"/>
+            </a:pPr>
+            <a:r>
+              <a:rPr kumimoji="1" lang="ja-JP" altLang="en-US" sz="2800" dirty="0">
+                <a:latin typeface="BKM-cmr10" panose="020B0501010101010101" pitchFamily="34" charset="2"/>
+              </a:rPr>
+              <a:t>電源装置の精度</a:t>
+            </a:r>
+            <a:endParaRPr kumimoji="1" lang="en-US" altLang="ja-JP" sz="2800" dirty="0">
+              <a:latin typeface="BKM-cmr10" panose="020B0501010101010101" pitchFamily="34" charset="2"/>
+            </a:endParaRPr>
+          </a:p>
+          <a:p>
+            <a:pPr marL="285750" indent="-285750" algn="l">
+              <a:buFont typeface="Arial" panose="020B0604020202020204" pitchFamily="34" charset="0"/>
+              <a:buChar char="•"/>
+            </a:pPr>
+            <a:endParaRPr lang="en-US" altLang="ja-JP" sz="2800" dirty="0">
+              <a:latin typeface="BKM-cmr10" panose="020B0501010101010101" pitchFamily="34" charset="2"/>
+            </a:endParaRPr>
+          </a:p>
+          <a:p>
+            <a:pPr marL="285750" indent="-285750" algn="l">
+              <a:buFont typeface="Arial" panose="020B0604020202020204" pitchFamily="34" charset="0"/>
+              <a:buChar char="•"/>
+            </a:pPr>
+            <a:r>
+              <a:rPr kumimoji="1" lang="ja-JP" altLang="en-US" sz="2800" dirty="0">
+                <a:latin typeface="BKM-cmr10" panose="020B0501010101010101" pitchFamily="34" charset="2"/>
+              </a:rPr>
+              <a:t>カレントミラーの素子値</a:t>
+            </a:r>
+          </a:p>
+        </p:txBody>
+      </p:sp>
+    </p:spTree>
+    <p:extLst>
+      <p:ext uri="{BB962C8B-B14F-4D97-AF65-F5344CB8AC3E}">
+        <p14:creationId xmlns:p14="http://schemas.microsoft.com/office/powerpoint/2010/main" val="1630072522"/>
+      </p:ext>
+    </p:extLst>
+  </p:cSld>
+  <p:clrMapOvr>
+    <a:masterClrMapping/>
+  </p:clrMapOvr>
+</p:sld>
+</file>
+
+<file path=ppt/slides/slide3.xml><?xml version="1.0" encoding="utf-8"?>
+<p:sld xmlns:a="http://schemas.openxmlformats.org/drawingml/2006/main" xmlns:r="http://schemas.openxmlformats.org/officeDocument/2006/relationships" xmlns:p="http://schemas.openxmlformats.org/presentationml/2006/main">
+  <p:cSld>
+    <p:spTree>
+      <p:nvGrpSpPr>
+        <p:cNvPr id="1" name=""/>
+        <p:cNvGrpSpPr/>
+        <p:nvPr/>
+      </p:nvGrpSpPr>
+      <p:grpSpPr>
+        <a:xfrm>
+          <a:off x="0" y="0"/>
+          <a:ext cx="0" cy="0"/>
+          <a:chOff x="0" y="0"/>
+          <a:chExt cx="0" cy="0"/>
+        </a:xfrm>
+      </p:grpSpPr>
+      <p:sp>
+        <p:nvSpPr>
+          <p:cNvPr id="2" name="タイトル 1">
+            <a:extLst>
+              <a:ext uri="{FF2B5EF4-FFF2-40B4-BE49-F238E27FC236}">
                 <a16:creationId xmlns:a16="http://schemas.microsoft.com/office/drawing/2014/main" id="{C50F7666-EED1-30BA-20E7-8E512763F938}"/>
               </a:ext>
             </a:extLst>
@@ -4978,8 +5247,8 @@
           </a:prstGeom>
         </p:spPr>
       </p:pic>
-      <mc:AlternateContent xmlns:mc="http://schemas.openxmlformats.org/markup-compatibility/2006">
-        <mc:Choice xmlns:a14="http://schemas.microsoft.com/office/drawing/2010/main" Requires="a14">
+      <mc:AlternateContent xmlns:mc="http://schemas.openxmlformats.org/markup-compatibility/2006" xmlns:a14="http://schemas.microsoft.com/office/drawing/2010/main">
+        <mc:Choice Requires="a14">
           <p:sp>
             <p:nvSpPr>
               <p:cNvPr id="8" name="テキスト ボックス 7">
@@ -5159,7 +5428,7 @@
             </p:txBody>
           </p:sp>
         </mc:Choice>
-        <mc:Fallback>
+        <mc:Fallback xmlns="">
           <p:sp>
             <p:nvSpPr>
               <p:cNvPr id="8" name="テキスト ボックス 7">
@@ -5256,7 +5525,7 @@
           <a:p>
             <a:fld id="{6294761A-CFE9-4878-87A7-90ECABD59CE5}" type="slidenum">
               <a:rPr kumimoji="1" lang="ja-JP" altLang="en-US" smtClean="0"/>
-              <a:t>2</a:t>
+              <a:t>3</a:t>
             </a:fld>
             <a:endParaRPr kumimoji="1" lang="ja-JP" altLang="en-US"/>
           </a:p>
@@ -5275,7 +5544,7 @@
 </p:sld>
 </file>
 
-<file path=ppt/slides/slide3.xml><?xml version="1.0" encoding="utf-8"?>
+<file path=ppt/slides/slide4.xml><?xml version="1.0" encoding="utf-8"?>
 <p:sld xmlns:a="http://schemas.openxmlformats.org/drawingml/2006/main" xmlns:r="http://schemas.openxmlformats.org/officeDocument/2006/relationships" xmlns:p="http://schemas.openxmlformats.org/presentationml/2006/main">
   <p:cSld>
     <p:spTree>
@@ -5372,7 +5641,7 @@
           <a:p>
             <a:fld id="{6294761A-CFE9-4878-87A7-90ECABD59CE5}" type="slidenum">
               <a:rPr kumimoji="1" lang="ja-JP" altLang="en-US" smtClean="0"/>
-              <a:t>3</a:t>
+              <a:t>4</a:t>
             </a:fld>
             <a:endParaRPr kumimoji="1" lang="ja-JP" altLang="en-US"/>
           </a:p>
@@ -5479,8 +5748,8 @@
           </a:prstGeom>
         </p:spPr>
       </p:pic>
-      <mc:AlternateContent xmlns:mc="http://schemas.openxmlformats.org/markup-compatibility/2006">
-        <mc:Choice xmlns:a14="http://schemas.microsoft.com/office/drawing/2010/main" Requires="a14">
+      <mc:AlternateContent xmlns:mc="http://schemas.openxmlformats.org/markup-compatibility/2006" xmlns:a14="http://schemas.microsoft.com/office/drawing/2010/main">
+        <mc:Choice Requires="a14">
           <p:sp>
             <p:nvSpPr>
               <p:cNvPr id="10" name="テキスト ボックス 9">
@@ -5525,7 +5794,7 @@
                     <m:f>
                       <m:fPr>
                         <m:ctrlPr>
-                          <a:rPr lang="en-US" altLang="ja-JP" dirty="0" smtClean="0">
+                          <a:rPr lang="en-US" altLang="ja-JP" i="1" dirty="0" smtClean="0">
                             <a:latin typeface="Cambria Math" panose="02040503050406030204" pitchFamily="18" charset="0"/>
                           </a:rPr>
                         </m:ctrlPr>
@@ -5638,7 +5907,7 @@
             </p:txBody>
           </p:sp>
         </mc:Choice>
-        <mc:Fallback>
+        <mc:Fallback xmlns="">
           <p:sp>
             <p:nvSpPr>
               <p:cNvPr id="10" name="テキスト ボックス 9">
@@ -5683,8 +5952,8 @@
           </p:sp>
         </mc:Fallback>
       </mc:AlternateContent>
-      <mc:AlternateContent xmlns:mc="http://schemas.openxmlformats.org/markup-compatibility/2006">
-        <mc:Choice xmlns:a14="http://schemas.microsoft.com/office/drawing/2010/main" Requires="a14">
+      <mc:AlternateContent xmlns:mc="http://schemas.openxmlformats.org/markup-compatibility/2006" xmlns:a14="http://schemas.microsoft.com/office/drawing/2010/main">
+        <mc:Choice Requires="a14">
           <p:sp>
             <p:nvSpPr>
               <p:cNvPr id="11" name="テキスト ボックス 10">
@@ -5735,7 +6004,7 @@
                     <m:f>
                       <m:fPr>
                         <m:ctrlPr>
-                          <a:rPr lang="en-US" altLang="ja-JP" dirty="0" smtClean="0">
+                          <a:rPr lang="en-US" altLang="ja-JP" i="1" dirty="0" smtClean="0">
                             <a:latin typeface="Cambria Math" panose="02040503050406030204" pitchFamily="18" charset="0"/>
                           </a:rPr>
                         </m:ctrlPr>
@@ -5848,7 +6117,7 @@
             </p:txBody>
           </p:sp>
         </mc:Choice>
-        <mc:Fallback>
+        <mc:Fallback xmlns="">
           <p:sp>
             <p:nvSpPr>
               <p:cNvPr id="11" name="テキスト ボックス 10">
@@ -5994,7 +6263,7 @@
 </p:sld>
 </file>
 
-<file path=ppt/slides/slide4.xml><?xml version="1.0" encoding="utf-8"?>
+<file path=ppt/slides/slide5.xml><?xml version="1.0" encoding="utf-8"?>
 <p:sld xmlns:a="http://schemas.openxmlformats.org/drawingml/2006/main" xmlns:r="http://schemas.openxmlformats.org/officeDocument/2006/relationships" xmlns:p="http://schemas.openxmlformats.org/presentationml/2006/main">
   <p:cSld>
     <p:spTree>
@@ -6104,8 +6373,8 @@
           </a:prstGeom>
         </p:spPr>
       </p:pic>
-      <mc:AlternateContent xmlns:mc="http://schemas.openxmlformats.org/markup-compatibility/2006">
-        <mc:Choice xmlns:a14="http://schemas.microsoft.com/office/drawing/2010/main" Requires="a14">
+      <mc:AlternateContent xmlns:mc="http://schemas.openxmlformats.org/markup-compatibility/2006" xmlns:a14="http://schemas.microsoft.com/office/drawing/2010/main">
+        <mc:Choice Requires="a14">
           <p:sp>
             <p:nvSpPr>
               <p:cNvPr id="6" name="テキスト ボックス 5">
@@ -6356,7 +6625,7 @@
             </p:txBody>
           </p:sp>
         </mc:Choice>
-        <mc:Fallback>
+        <mc:Fallback xmlns="">
           <p:sp>
             <p:nvSpPr>
               <p:cNvPr id="6" name="テキスト ボックス 5">
@@ -6453,7 +6722,7 @@
           <a:p>
             <a:fld id="{6294761A-CFE9-4878-87A7-90ECABD59CE5}" type="slidenum">
               <a:rPr kumimoji="1" lang="ja-JP" altLang="en-US" smtClean="0"/>
-              <a:t>4</a:t>
+              <a:t>5</a:t>
             </a:fld>
             <a:endParaRPr kumimoji="1" lang="ja-JP" altLang="en-US"/>
           </a:p>
@@ -6529,8 +6798,8 @@
           </p:nvSpPr>
           <p:spPr>
             <a:xfrm>
-              <a:off x="8414159" y="1155460"/>
-              <a:ext cx="1543574" cy="5153061"/>
+              <a:off x="8439149" y="1155460"/>
+              <a:ext cx="1518583" cy="5153061"/>
             </a:xfrm>
             <a:prstGeom prst="rect">
               <a:avLst/>
@@ -6613,6 +6882,1164 @@
     <p:extLst>
       <p:ext uri="{BB962C8B-B14F-4D97-AF65-F5344CB8AC3E}">
         <p14:creationId xmlns:p14="http://schemas.microsoft.com/office/powerpoint/2010/main" val="291793108"/>
+      </p:ext>
+    </p:extLst>
+  </p:cSld>
+  <p:clrMapOvr>
+    <a:masterClrMapping/>
+  </p:clrMapOvr>
+</p:sld>
+</file>
+
+<file path=ppt/slides/slide6.xml><?xml version="1.0" encoding="utf-8"?>
+<p:sld xmlns:a="http://schemas.openxmlformats.org/drawingml/2006/main" xmlns:r="http://schemas.openxmlformats.org/officeDocument/2006/relationships" xmlns:p="http://schemas.openxmlformats.org/presentationml/2006/main">
+  <p:cSld>
+    <p:spTree>
+      <p:nvGrpSpPr>
+        <p:cNvPr id="1" name=""/>
+        <p:cNvGrpSpPr/>
+        <p:nvPr/>
+      </p:nvGrpSpPr>
+      <p:grpSpPr>
+        <a:xfrm>
+          <a:off x="0" y="0"/>
+          <a:ext cx="0" cy="0"/>
+          <a:chOff x="0" y="0"/>
+          <a:chExt cx="0" cy="0"/>
+        </a:xfrm>
+      </p:grpSpPr>
+      <p:sp>
+        <p:nvSpPr>
+          <p:cNvPr id="2" name="タイトル 1">
+            <a:extLst>
+              <a:ext uri="{FF2B5EF4-FFF2-40B4-BE49-F238E27FC236}">
+                <a16:creationId xmlns:a16="http://schemas.microsoft.com/office/drawing/2014/main" id="{C61F9574-1497-F0CF-95E6-1528F0DC4C65}"/>
+              </a:ext>
+            </a:extLst>
+          </p:cNvPr>
+          <p:cNvSpPr>
+            <a:spLocks noGrp="1"/>
+          </p:cNvSpPr>
+          <p:nvPr>
+            <p:ph type="title"/>
+          </p:nvPr>
+        </p:nvSpPr>
+        <p:spPr/>
+        <p:txBody>
+          <a:bodyPr/>
+          <a:lstStyle/>
+          <a:p>
+            <a:r>
+              <a:rPr kumimoji="1" lang="ja-JP" altLang="en-US" dirty="0"/>
+              <a:t>カレントミラーの素子値</a:t>
+            </a:r>
+          </a:p>
+        </p:txBody>
+      </p:sp>
+      <p:sp>
+        <p:nvSpPr>
+          <p:cNvPr id="3" name="日付プレースホルダー 2">
+            <a:extLst>
+              <a:ext uri="{FF2B5EF4-FFF2-40B4-BE49-F238E27FC236}">
+                <a16:creationId xmlns:a16="http://schemas.microsoft.com/office/drawing/2014/main" id="{28906D89-FA1C-2D54-8C1A-E77AE3F4F445}"/>
+              </a:ext>
+            </a:extLst>
+          </p:cNvPr>
+          <p:cNvSpPr>
+            <a:spLocks noGrp="1"/>
+          </p:cNvSpPr>
+          <p:nvPr>
+            <p:ph type="dt" sz="half" idx="10"/>
+          </p:nvPr>
+        </p:nvSpPr>
+        <p:spPr/>
+        <p:txBody>
+          <a:bodyPr/>
+          <a:lstStyle/>
+          <a:p>
+            <a:r>
+              <a:rPr kumimoji="1" lang="en-US" altLang="ja-JP"/>
+              <a:t>2024/1/30</a:t>
+            </a:r>
+            <a:endParaRPr kumimoji="1" lang="ja-JP" altLang="en-US"/>
+          </a:p>
+        </p:txBody>
+      </p:sp>
+      <p:sp>
+        <p:nvSpPr>
+          <p:cNvPr id="4" name="スライド番号プレースホルダー 3">
+            <a:extLst>
+              <a:ext uri="{FF2B5EF4-FFF2-40B4-BE49-F238E27FC236}">
+                <a16:creationId xmlns:a16="http://schemas.microsoft.com/office/drawing/2014/main" id="{2FF99241-3FDE-23A3-DFEA-7DCDB6677434}"/>
+              </a:ext>
+            </a:extLst>
+          </p:cNvPr>
+          <p:cNvSpPr>
+            <a:spLocks noGrp="1"/>
+          </p:cNvSpPr>
+          <p:nvPr>
+            <p:ph type="sldNum" sz="quarter" idx="12"/>
+          </p:nvPr>
+        </p:nvSpPr>
+        <p:spPr/>
+        <p:txBody>
+          <a:bodyPr/>
+          <a:lstStyle/>
+          <a:p>
+            <a:fld id="{6294761A-CFE9-4878-87A7-90ECABD59CE5}" type="slidenum">
+              <a:rPr kumimoji="1" lang="ja-JP" altLang="en-US" smtClean="0"/>
+              <a:t>6</a:t>
+            </a:fld>
+            <a:endParaRPr kumimoji="1" lang="ja-JP" altLang="en-US"/>
+          </a:p>
+        </p:txBody>
+      </p:sp>
+      <p:sp>
+        <p:nvSpPr>
+          <p:cNvPr id="5" name="フッター プレースホルダー 4">
+            <a:extLst>
+              <a:ext uri="{FF2B5EF4-FFF2-40B4-BE49-F238E27FC236}">
+                <a16:creationId xmlns:a16="http://schemas.microsoft.com/office/drawing/2014/main" id="{2363F85F-8DBB-B5BC-227A-0D21D5607A5C}"/>
+              </a:ext>
+            </a:extLst>
+          </p:cNvPr>
+          <p:cNvSpPr>
+            <a:spLocks noGrp="1"/>
+          </p:cNvSpPr>
+          <p:nvPr>
+            <p:ph type="ftr" sz="quarter" idx="3"/>
+          </p:nvPr>
+        </p:nvSpPr>
+        <p:spPr/>
+        <p:txBody>
+          <a:bodyPr/>
+          <a:lstStyle/>
+          <a:p>
+            <a:r>
+              <a:rPr lang="en-US" altLang="ja-JP"/>
+              <a:t>Wave Signal Processing Circuit Laboratory,  Meiji University</a:t>
+            </a:r>
+            <a:endParaRPr lang="en-US" altLang="ja-JP" dirty="0"/>
+          </a:p>
+        </p:txBody>
+      </p:sp>
+      <p:pic>
+        <p:nvPicPr>
+          <p:cNvPr id="7" name="図 6" descr="夜に光っている数々の星&#10;&#10;自動的に生成された説明">
+            <a:extLst>
+              <a:ext uri="{FF2B5EF4-FFF2-40B4-BE49-F238E27FC236}">
+                <a16:creationId xmlns:a16="http://schemas.microsoft.com/office/drawing/2014/main" id="{8A0EB79D-48C9-1738-58D3-6CF4A7B54CE4}"/>
+              </a:ext>
+            </a:extLst>
+          </p:cNvPr>
+          <p:cNvPicPr>
+            <a:picLocks noChangeAspect="1"/>
+          </p:cNvPicPr>
+          <p:nvPr/>
+        </p:nvPicPr>
+        <p:blipFill>
+          <a:blip r:embed="rId2">
+            <a:extLst>
+              <a:ext uri="{28A0092B-C50C-407E-A947-70E740481C1C}">
+                <a14:useLocalDpi xmlns:a14="http://schemas.microsoft.com/office/drawing/2010/main" val="0"/>
+              </a:ext>
+            </a:extLst>
+          </a:blip>
+          <a:stretch>
+            <a:fillRect/>
+          </a:stretch>
+        </p:blipFill>
+        <p:spPr>
+          <a:xfrm>
+            <a:off x="-266275" y="1150748"/>
+            <a:ext cx="10406853" cy="5497772"/>
+          </a:xfrm>
+          <a:prstGeom prst="rect">
+            <a:avLst/>
+          </a:prstGeom>
+        </p:spPr>
+      </p:pic>
+      <p:sp>
+        <p:nvSpPr>
+          <p:cNvPr id="8" name="楕円 7">
+            <a:extLst>
+              <a:ext uri="{FF2B5EF4-FFF2-40B4-BE49-F238E27FC236}">
+                <a16:creationId xmlns:a16="http://schemas.microsoft.com/office/drawing/2014/main" id="{58B63C5E-29DA-D432-A0B7-502ECDB60B58}"/>
+              </a:ext>
+            </a:extLst>
+          </p:cNvPr>
+          <p:cNvSpPr/>
+          <p:nvPr/>
+        </p:nvSpPr>
+        <p:spPr>
+          <a:xfrm>
+            <a:off x="2708366" y="4376593"/>
+            <a:ext cx="5862368" cy="1611085"/>
+          </a:xfrm>
+          <a:prstGeom prst="ellipse">
+            <a:avLst/>
+          </a:prstGeom>
+          <a:noFill/>
+          <a:ln w="38100">
+            <a:solidFill>
+              <a:srgbClr val="FF0000"/>
+            </a:solidFill>
+          </a:ln>
+        </p:spPr>
+        <p:style>
+          <a:lnRef idx="2">
+            <a:schemeClr val="accent1">
+              <a:shade val="15000"/>
+            </a:schemeClr>
+          </a:lnRef>
+          <a:fillRef idx="1">
+            <a:schemeClr val="accent1"/>
+          </a:fillRef>
+          <a:effectRef idx="0">
+            <a:schemeClr val="accent1"/>
+          </a:effectRef>
+          <a:fontRef idx="minor">
+            <a:schemeClr val="lt1"/>
+          </a:fontRef>
+        </p:style>
+        <p:txBody>
+          <a:bodyPr rtlCol="0" anchor="ctr"/>
+          <a:lstStyle/>
+          <a:p>
+            <a:pPr algn="ctr"/>
+            <a:endParaRPr kumimoji="1" lang="ja-JP" altLang="en-US"/>
+          </a:p>
+        </p:txBody>
+      </p:sp>
+      <mc:AlternateContent xmlns:mc="http://schemas.openxmlformats.org/markup-compatibility/2006">
+        <mc:Choice xmlns:a14="http://schemas.microsoft.com/office/drawing/2010/main" Requires="a14">
+          <p:sp>
+            <p:nvSpPr>
+              <p:cNvPr id="9" name="テキスト ボックス 8">
+                <a:extLst>
+                  <a:ext uri="{FF2B5EF4-FFF2-40B4-BE49-F238E27FC236}">
+                    <a16:creationId xmlns:a16="http://schemas.microsoft.com/office/drawing/2014/main" id="{7AF5F06F-FBF0-AEA1-105C-73EE84882A2B}"/>
+                  </a:ext>
+                </a:extLst>
+              </p:cNvPr>
+              <p:cNvSpPr txBox="1"/>
+              <p:nvPr/>
+            </p:nvSpPr>
+            <p:spPr>
+              <a:xfrm>
+                <a:off x="9127444" y="3899634"/>
+                <a:ext cx="2743200" cy="1511119"/>
+              </a:xfrm>
+              <a:prstGeom prst="rect">
+                <a:avLst/>
+              </a:prstGeom>
+              <a:noFill/>
+            </p:spPr>
+            <p:txBody>
+              <a:bodyPr wrap="square" rtlCol="0">
+                <a:spAutoFit/>
+              </a:bodyPr>
+              <a:lstStyle/>
+              <a:p>
+                <a:pPr algn="l"/>
+                <a:r>
+                  <a:rPr kumimoji="1" lang="ja-JP" altLang="en-US" dirty="0">
+                    <a:latin typeface="BKM-cmr10" panose="020B0501010101010101" pitchFamily="34" charset="2"/>
+                  </a:rPr>
+                  <a:t>ここのカレントミラーの</a:t>
+                </a:r>
+                <a:r>
+                  <a:rPr kumimoji="1" lang="en-US" altLang="ja-JP" dirty="0">
+                    <a:latin typeface="BKM-cmr10" panose="020B0501010101010101" pitchFamily="34" charset="2"/>
+                  </a:rPr>
+                  <a:t>W</a:t>
+                </a:r>
+                <a:r>
+                  <a:rPr kumimoji="1" lang="ja-JP" altLang="en-US" dirty="0">
+                    <a:latin typeface="BKM-cmr10" panose="020B0501010101010101" pitchFamily="34" charset="2"/>
+                  </a:rPr>
+                  <a:t>が一致していなかったので、一致するような素子値に変更した。</a:t>
+                </a:r>
+                <a:endParaRPr kumimoji="1" lang="en-US" altLang="ja-JP" dirty="0">
+                  <a:latin typeface="BKM-cmr10" panose="020B0501010101010101" pitchFamily="34" charset="2"/>
+                </a:endParaRPr>
+              </a:p>
+              <a:p>
+                <a:pPr algn="l"/>
+                <a14:m>
+                  <m:oMath xmlns:m="http://schemas.openxmlformats.org/officeDocument/2006/math">
+                    <m:sSub>
+                      <m:sSubPr>
+                        <m:ctrlPr>
+                          <a:rPr kumimoji="1" lang="en-US" altLang="ja-JP" b="0" i="1" smtClean="0">
+                            <a:latin typeface="Cambria Math" panose="02040503050406030204" pitchFamily="18" charset="0"/>
+                          </a:rPr>
+                        </m:ctrlPr>
+                      </m:sSubPr>
+                      <m:e>
+                        <m:r>
+                          <a:rPr kumimoji="1" lang="en-US" altLang="ja-JP" b="0" i="1" smtClean="0">
+                            <a:latin typeface="Cambria Math" panose="02040503050406030204" pitchFamily="18" charset="0"/>
+                          </a:rPr>
+                          <m:t>𝑀</m:t>
+                        </m:r>
+                      </m:e>
+                      <m:sub>
+                        <m:r>
+                          <a:rPr kumimoji="1" lang="en-US" altLang="ja-JP" b="0" i="1" smtClean="0">
+                            <a:latin typeface="Cambria Math" panose="02040503050406030204" pitchFamily="18" charset="0"/>
+                          </a:rPr>
+                          <m:t>𝐴</m:t>
+                        </m:r>
+                      </m:sub>
+                    </m:sSub>
+                  </m:oMath>
+                </a14:m>
+                <a:r>
+                  <a:rPr kumimoji="1" lang="ja-JP" altLang="en-US" dirty="0">
+                    <a:latin typeface="BKM-cmr10" panose="020B0501010101010101" pitchFamily="34" charset="2"/>
+                  </a:rPr>
+                  <a:t> </a:t>
+                </a:r>
+                <a:r>
+                  <a:rPr kumimoji="1" lang="en-US" altLang="ja-JP" dirty="0">
+                    <a:latin typeface="BKM-cmr10" panose="020B0501010101010101" pitchFamily="34" charset="2"/>
+                  </a:rPr>
+                  <a:t>: W/M = 3.4</a:t>
+                </a:r>
+                <a:r>
+                  <a:rPr lang="ja-JP" altLang="en-US" dirty="0">
+                    <a:latin typeface="BKM-cmr10" panose="020B0501010101010101" pitchFamily="34" charset="2"/>
+                  </a:rPr>
+                  <a:t> </a:t>
+                </a:r>
+                <a:r>
+                  <a:rPr kumimoji="1" lang="en-US" altLang="ja-JP" dirty="0">
+                    <a:latin typeface="BKM-cmr10" panose="020B0501010101010101" pitchFamily="34" charset="2"/>
+                  </a:rPr>
+                  <a:t> </a:t>
+                </a:r>
+                <a14:m>
+                  <m:oMath xmlns:m="http://schemas.openxmlformats.org/officeDocument/2006/math">
+                    <m:r>
+                      <a:rPr kumimoji="1" lang="en-US" altLang="ja-JP" b="0" i="1" smtClean="0">
+                        <a:latin typeface="Cambria Math" panose="02040503050406030204" pitchFamily="18" charset="0"/>
+                      </a:rPr>
+                      <m:t>𝜇</m:t>
+                    </m:r>
+                  </m:oMath>
+                </a14:m>
+                <a:r>
+                  <a:rPr kumimoji="1" lang="en-US" altLang="ja-JP" dirty="0">
+                    <a:latin typeface="BKM-cmr10" panose="020B0501010101010101" pitchFamily="34" charset="2"/>
+                  </a:rPr>
+                  <a:t>m/8</a:t>
+                </a:r>
+                <a:endParaRPr lang="en-US" altLang="ja-JP" dirty="0">
+                  <a:latin typeface="BKM-cmr10" panose="020B0501010101010101" pitchFamily="34" charset="2"/>
+                </a:endParaRPr>
+              </a:p>
+            </p:txBody>
+          </p:sp>
+        </mc:Choice>
+        <mc:Fallback>
+          <p:sp>
+            <p:nvSpPr>
+              <p:cNvPr id="9" name="テキスト ボックス 8">
+                <a:extLst>
+                  <a:ext uri="{FF2B5EF4-FFF2-40B4-BE49-F238E27FC236}">
+                    <a16:creationId xmlns:a16="http://schemas.microsoft.com/office/drawing/2014/main" id="{7AF5F06F-FBF0-AEA1-105C-73EE84882A2B}"/>
+                  </a:ext>
+                </a:extLst>
+              </p:cNvPr>
+              <p:cNvSpPr txBox="1">
+                <a:spLocks noRot="1" noChangeAspect="1" noMove="1" noResize="1" noEditPoints="1" noAdjustHandles="1" noChangeArrowheads="1" noChangeShapeType="1" noTextEdit="1"/>
+              </p:cNvSpPr>
+              <p:nvPr/>
+            </p:nvSpPr>
+            <p:spPr>
+              <a:xfrm>
+                <a:off x="9127444" y="3899634"/>
+                <a:ext cx="2743200" cy="1511119"/>
+              </a:xfrm>
+              <a:prstGeom prst="rect">
+                <a:avLst/>
+              </a:prstGeom>
+              <a:blipFill>
+                <a:blip r:embed="rId3"/>
+                <a:stretch>
+                  <a:fillRect l="-1778" t="-2419" r="-1333" b="-3629"/>
+                </a:stretch>
+              </a:blipFill>
+            </p:spPr>
+            <p:txBody>
+              <a:bodyPr/>
+              <a:lstStyle/>
+              <a:p>
+                <a:r>
+                  <a:rPr lang="ja-JP" altLang="en-US">
+                    <a:noFill/>
+                  </a:rPr>
+                  <a:t> </a:t>
+                </a:r>
+              </a:p>
+            </p:txBody>
+          </p:sp>
+        </mc:Fallback>
+      </mc:AlternateContent>
+      <mc:AlternateContent xmlns:mc="http://schemas.openxmlformats.org/markup-compatibility/2006">
+        <mc:Choice xmlns:a14="http://schemas.microsoft.com/office/drawing/2010/main" Requires="a14">
+          <p:sp>
+            <p:nvSpPr>
+              <p:cNvPr id="10" name="テキスト ボックス 9">
+                <a:extLst>
+                  <a:ext uri="{FF2B5EF4-FFF2-40B4-BE49-F238E27FC236}">
+                    <a16:creationId xmlns:a16="http://schemas.microsoft.com/office/drawing/2014/main" id="{CEACE927-3E1E-1D8B-16BB-757D0F1E1A52}"/>
+                  </a:ext>
+                </a:extLst>
+              </p:cNvPr>
+              <p:cNvSpPr txBox="1"/>
+              <p:nvPr/>
+            </p:nvSpPr>
+            <p:spPr>
+              <a:xfrm>
+                <a:off x="9647023" y="5510508"/>
+                <a:ext cx="2447109" cy="369332"/>
+              </a:xfrm>
+              <a:prstGeom prst="rect">
+                <a:avLst/>
+              </a:prstGeom>
+              <a:noFill/>
+            </p:spPr>
+            <p:txBody>
+              <a:bodyPr wrap="square" rtlCol="0">
+                <a:spAutoFit/>
+              </a:bodyPr>
+              <a:lstStyle/>
+              <a:p>
+                <a:pPr algn="l"/>
+                <a:r>
+                  <a:rPr kumimoji="1" lang="en-US" altLang="ja-JP" dirty="0">
+                    <a:latin typeface="BKM-cmr10" panose="020B0501010101010101" pitchFamily="34" charset="2"/>
+                  </a:rPr>
+                  <a:t>W/M = 1.72 </a:t>
+                </a:r>
+                <a14:m>
+                  <m:oMath xmlns:m="http://schemas.openxmlformats.org/officeDocument/2006/math">
+                    <m:r>
+                      <a:rPr kumimoji="1" lang="en-US" altLang="ja-JP" b="0" i="1" smtClean="0">
+                        <a:latin typeface="Cambria Math" panose="02040503050406030204" pitchFamily="18" charset="0"/>
+                      </a:rPr>
+                      <m:t>𝜇</m:t>
+                    </m:r>
+                  </m:oMath>
+                </a14:m>
+                <a:r>
+                  <a:rPr kumimoji="1" lang="en-US" altLang="ja-JP" dirty="0">
+                    <a:latin typeface="BKM-cmr10" panose="020B0501010101010101" pitchFamily="34" charset="2"/>
+                  </a:rPr>
+                  <a:t>m/16</a:t>
+                </a:r>
+                <a:endParaRPr kumimoji="1" lang="ja-JP" altLang="en-US" dirty="0">
+                  <a:latin typeface="BKM-cmr10" panose="020B0501010101010101" pitchFamily="34" charset="2"/>
+                </a:endParaRPr>
+              </a:p>
+            </p:txBody>
+          </p:sp>
+        </mc:Choice>
+        <mc:Fallback>
+          <p:sp>
+            <p:nvSpPr>
+              <p:cNvPr id="10" name="テキスト ボックス 9">
+                <a:extLst>
+                  <a:ext uri="{FF2B5EF4-FFF2-40B4-BE49-F238E27FC236}">
+                    <a16:creationId xmlns:a16="http://schemas.microsoft.com/office/drawing/2014/main" id="{CEACE927-3E1E-1D8B-16BB-757D0F1E1A52}"/>
+                  </a:ext>
+                </a:extLst>
+              </p:cNvPr>
+              <p:cNvSpPr txBox="1">
+                <a:spLocks noRot="1" noChangeAspect="1" noMove="1" noResize="1" noEditPoints="1" noAdjustHandles="1" noChangeArrowheads="1" noChangeShapeType="1" noTextEdit="1"/>
+              </p:cNvSpPr>
+              <p:nvPr/>
+            </p:nvSpPr>
+            <p:spPr>
+              <a:xfrm>
+                <a:off x="9647023" y="5510508"/>
+                <a:ext cx="2447109" cy="369332"/>
+              </a:xfrm>
+              <a:prstGeom prst="rect">
+                <a:avLst/>
+              </a:prstGeom>
+              <a:blipFill>
+                <a:blip r:embed="rId4"/>
+                <a:stretch>
+                  <a:fillRect l="-2244" t="-8197" b="-26230"/>
+                </a:stretch>
+              </a:blipFill>
+            </p:spPr>
+            <p:txBody>
+              <a:bodyPr/>
+              <a:lstStyle/>
+              <a:p>
+                <a:r>
+                  <a:rPr lang="ja-JP" altLang="en-US">
+                    <a:noFill/>
+                  </a:rPr>
+                  <a:t> </a:t>
+                </a:r>
+              </a:p>
+            </p:txBody>
+          </p:sp>
+        </mc:Fallback>
+      </mc:AlternateContent>
+      <p:sp>
+        <p:nvSpPr>
+          <p:cNvPr id="11" name="テキスト ボックス 10">
+            <a:extLst>
+              <a:ext uri="{FF2B5EF4-FFF2-40B4-BE49-F238E27FC236}">
+                <a16:creationId xmlns:a16="http://schemas.microsoft.com/office/drawing/2014/main" id="{BEE84F42-0AFD-6FE2-BC7A-EF2C3206C74A}"/>
+              </a:ext>
+            </a:extLst>
+          </p:cNvPr>
+          <p:cNvSpPr txBox="1"/>
+          <p:nvPr/>
+        </p:nvSpPr>
+        <p:spPr>
+          <a:xfrm>
+            <a:off x="10220650" y="5259069"/>
+            <a:ext cx="482600" cy="369332"/>
+          </a:xfrm>
+          <a:prstGeom prst="rect">
+            <a:avLst/>
+          </a:prstGeom>
+          <a:noFill/>
+        </p:spPr>
+        <p:txBody>
+          <a:bodyPr wrap="square" rtlCol="0">
+            <a:spAutoFit/>
+          </a:bodyPr>
+          <a:lstStyle/>
+          <a:p>
+            <a:pPr algn="ctr"/>
+            <a:r>
+              <a:rPr lang="ja-JP" altLang="en-US" dirty="0"/>
+              <a:t>⇓</a:t>
+            </a:r>
+            <a:endParaRPr lang="en-US" altLang="ja-JP" dirty="0"/>
+          </a:p>
+        </p:txBody>
+      </p:sp>
+      <mc:AlternateContent xmlns:mc="http://schemas.openxmlformats.org/markup-compatibility/2006">
+        <mc:Choice xmlns:a14="http://schemas.microsoft.com/office/drawing/2010/main" Requires="a14">
+          <p:sp>
+            <p:nvSpPr>
+              <p:cNvPr id="13" name="テキスト ボックス 12">
+                <a:extLst>
+                  <a:ext uri="{FF2B5EF4-FFF2-40B4-BE49-F238E27FC236}">
+                    <a16:creationId xmlns:a16="http://schemas.microsoft.com/office/drawing/2014/main" id="{E43032F9-AA31-7DB5-4FD5-11FFB64AB5D0}"/>
+                  </a:ext>
+                </a:extLst>
+              </p:cNvPr>
+              <p:cNvSpPr txBox="1"/>
+              <p:nvPr/>
+            </p:nvSpPr>
+            <p:spPr>
+              <a:xfrm>
+                <a:off x="8994306" y="6085760"/>
+                <a:ext cx="3009475" cy="369332"/>
+              </a:xfrm>
+              <a:prstGeom prst="rect">
+                <a:avLst/>
+              </a:prstGeom>
+              <a:noFill/>
+            </p:spPr>
+            <p:txBody>
+              <a:bodyPr wrap="square" rtlCol="0">
+                <a:spAutoFit/>
+              </a:bodyPr>
+              <a:lstStyle/>
+              <a:p>
+                <a:pPr algn="l"/>
+                <a14:m>
+                  <m:oMath xmlns:m="http://schemas.openxmlformats.org/officeDocument/2006/math">
+                    <m:sSub>
+                      <m:sSubPr>
+                        <m:ctrlPr>
+                          <a:rPr kumimoji="1" lang="en-US" altLang="ja-JP" b="0" i="1" smtClean="0">
+                            <a:latin typeface="Cambria Math" panose="02040503050406030204" pitchFamily="18" charset="0"/>
+                          </a:rPr>
+                        </m:ctrlPr>
+                      </m:sSubPr>
+                      <m:e>
+                        <m:r>
+                          <a:rPr kumimoji="1" lang="en-US" altLang="ja-JP" b="0" i="1" smtClean="0">
+                            <a:latin typeface="Cambria Math" panose="02040503050406030204" pitchFamily="18" charset="0"/>
+                          </a:rPr>
+                          <m:t>𝑀</m:t>
+                        </m:r>
+                      </m:e>
+                      <m:sub>
+                        <m:r>
+                          <a:rPr kumimoji="1" lang="en-US" altLang="ja-JP" b="0" i="1" smtClean="0">
+                            <a:latin typeface="Cambria Math" panose="02040503050406030204" pitchFamily="18" charset="0"/>
+                          </a:rPr>
+                          <m:t>𝑀𝐵</m:t>
+                        </m:r>
+                      </m:sub>
+                    </m:sSub>
+                  </m:oMath>
+                </a14:m>
+                <a:r>
+                  <a:rPr kumimoji="1" lang="ja-JP" altLang="en-US" dirty="0">
+                    <a:latin typeface="BKM-cmr10" panose="020B0501010101010101" pitchFamily="34" charset="2"/>
+                  </a:rPr>
+                  <a:t> </a:t>
+                </a:r>
+                <a:r>
+                  <a:rPr kumimoji="1" lang="en-US" altLang="ja-JP" dirty="0">
+                    <a:latin typeface="BKM-cmr10" panose="020B0501010101010101" pitchFamily="34" charset="2"/>
+                  </a:rPr>
+                  <a:t>: W/M = 1.72 </a:t>
+                </a:r>
+                <a14:m>
+                  <m:oMath xmlns:m="http://schemas.openxmlformats.org/officeDocument/2006/math">
+                    <m:r>
+                      <a:rPr kumimoji="1" lang="en-US" altLang="ja-JP" b="0" i="1" smtClean="0">
+                        <a:latin typeface="Cambria Math" panose="02040503050406030204" pitchFamily="18" charset="0"/>
+                      </a:rPr>
+                      <m:t>𝜇</m:t>
+                    </m:r>
+                  </m:oMath>
+                </a14:m>
+                <a:r>
+                  <a:rPr kumimoji="1" lang="en-US" altLang="ja-JP" dirty="0">
+                    <a:latin typeface="BKM-cmr10" panose="020B0501010101010101" pitchFamily="34" charset="2"/>
+                  </a:rPr>
+                  <a:t>m/4</a:t>
+                </a:r>
+                <a:endParaRPr kumimoji="1" lang="ja-JP" altLang="en-US" dirty="0">
+                  <a:latin typeface="BKM-cmr10" panose="020B0501010101010101" pitchFamily="34" charset="2"/>
+                </a:endParaRPr>
+              </a:p>
+            </p:txBody>
+          </p:sp>
+        </mc:Choice>
+        <mc:Fallback>
+          <p:sp>
+            <p:nvSpPr>
+              <p:cNvPr id="13" name="テキスト ボックス 12">
+                <a:extLst>
+                  <a:ext uri="{FF2B5EF4-FFF2-40B4-BE49-F238E27FC236}">
+                    <a16:creationId xmlns:a16="http://schemas.microsoft.com/office/drawing/2014/main" id="{E43032F9-AA31-7DB5-4FD5-11FFB64AB5D0}"/>
+                  </a:ext>
+                </a:extLst>
+              </p:cNvPr>
+              <p:cNvSpPr txBox="1">
+                <a:spLocks noRot="1" noChangeAspect="1" noMove="1" noResize="1" noEditPoints="1" noAdjustHandles="1" noChangeArrowheads="1" noChangeShapeType="1" noTextEdit="1"/>
+              </p:cNvSpPr>
+              <p:nvPr/>
+            </p:nvSpPr>
+            <p:spPr>
+              <a:xfrm>
+                <a:off x="8994306" y="6085760"/>
+                <a:ext cx="3009475" cy="369332"/>
+              </a:xfrm>
+              <a:prstGeom prst="rect">
+                <a:avLst/>
+              </a:prstGeom>
+              <a:blipFill>
+                <a:blip r:embed="rId5"/>
+                <a:stretch>
+                  <a:fillRect t="-6557" b="-26230"/>
+                </a:stretch>
+              </a:blipFill>
+            </p:spPr>
+            <p:txBody>
+              <a:bodyPr/>
+              <a:lstStyle/>
+              <a:p>
+                <a:r>
+                  <a:rPr lang="ja-JP" altLang="en-US">
+                    <a:noFill/>
+                  </a:rPr>
+                  <a:t> </a:t>
+                </a:r>
+              </a:p>
+            </p:txBody>
+          </p:sp>
+        </mc:Fallback>
+      </mc:AlternateContent>
+    </p:spTree>
+    <p:extLst>
+      <p:ext uri="{BB962C8B-B14F-4D97-AF65-F5344CB8AC3E}">
+        <p14:creationId xmlns:p14="http://schemas.microsoft.com/office/powerpoint/2010/main" val="2175115256"/>
+      </p:ext>
+    </p:extLst>
+  </p:cSld>
+  <p:clrMapOvr>
+    <a:masterClrMapping/>
+  </p:clrMapOvr>
+</p:sld>
+</file>
+
+<file path=ppt/slides/slide7.xml><?xml version="1.0" encoding="utf-8"?>
+<p:sld xmlns:a="http://schemas.openxmlformats.org/drawingml/2006/main" xmlns:r="http://schemas.openxmlformats.org/officeDocument/2006/relationships" xmlns:p="http://schemas.openxmlformats.org/presentationml/2006/main">
+  <p:cSld>
+    <p:spTree>
+      <p:nvGrpSpPr>
+        <p:cNvPr id="1" name=""/>
+        <p:cNvGrpSpPr/>
+        <p:nvPr/>
+      </p:nvGrpSpPr>
+      <p:grpSpPr>
+        <a:xfrm>
+          <a:off x="0" y="0"/>
+          <a:ext cx="0" cy="0"/>
+          <a:chOff x="0" y="0"/>
+          <a:chExt cx="0" cy="0"/>
+        </a:xfrm>
+      </p:grpSpPr>
+      <p:sp>
+        <p:nvSpPr>
+          <p:cNvPr id="2" name="タイトル 1">
+            <a:extLst>
+              <a:ext uri="{FF2B5EF4-FFF2-40B4-BE49-F238E27FC236}">
+                <a16:creationId xmlns:a16="http://schemas.microsoft.com/office/drawing/2014/main" id="{7BE5095F-3A71-C432-3D5B-475516F171F1}"/>
+              </a:ext>
+            </a:extLst>
+          </p:cNvPr>
+          <p:cNvSpPr>
+            <a:spLocks noGrp="1"/>
+          </p:cNvSpPr>
+          <p:nvPr>
+            <p:ph type="title"/>
+          </p:nvPr>
+        </p:nvSpPr>
+        <p:spPr/>
+        <p:txBody>
+          <a:bodyPr/>
+          <a:lstStyle/>
+          <a:p>
+            <a:r>
+              <a:rPr kumimoji="1" lang="ja-JP" altLang="en-US" dirty="0"/>
+              <a:t>カレントミラーの素子値</a:t>
+            </a:r>
+          </a:p>
+        </p:txBody>
+      </p:sp>
+      <p:sp>
+        <p:nvSpPr>
+          <p:cNvPr id="3" name="日付プレースホルダー 2">
+            <a:extLst>
+              <a:ext uri="{FF2B5EF4-FFF2-40B4-BE49-F238E27FC236}">
+                <a16:creationId xmlns:a16="http://schemas.microsoft.com/office/drawing/2014/main" id="{A88A1368-A5D6-741A-32B3-34A1D289A4EE}"/>
+              </a:ext>
+            </a:extLst>
+          </p:cNvPr>
+          <p:cNvSpPr>
+            <a:spLocks noGrp="1"/>
+          </p:cNvSpPr>
+          <p:nvPr>
+            <p:ph type="dt" sz="half" idx="10"/>
+          </p:nvPr>
+        </p:nvSpPr>
+        <p:spPr/>
+        <p:txBody>
+          <a:bodyPr/>
+          <a:lstStyle/>
+          <a:p>
+            <a:r>
+              <a:rPr kumimoji="1" lang="en-US" altLang="ja-JP"/>
+              <a:t>2024/1/30</a:t>
+            </a:r>
+            <a:endParaRPr kumimoji="1" lang="ja-JP" altLang="en-US"/>
+          </a:p>
+        </p:txBody>
+      </p:sp>
+      <p:sp>
+        <p:nvSpPr>
+          <p:cNvPr id="4" name="スライド番号プレースホルダー 3">
+            <a:extLst>
+              <a:ext uri="{FF2B5EF4-FFF2-40B4-BE49-F238E27FC236}">
+                <a16:creationId xmlns:a16="http://schemas.microsoft.com/office/drawing/2014/main" id="{C7E6EFAD-6DBA-7F8F-475C-9FD7748A7FE2}"/>
+              </a:ext>
+            </a:extLst>
+          </p:cNvPr>
+          <p:cNvSpPr>
+            <a:spLocks noGrp="1"/>
+          </p:cNvSpPr>
+          <p:nvPr>
+            <p:ph type="sldNum" sz="quarter" idx="12"/>
+          </p:nvPr>
+        </p:nvSpPr>
+        <p:spPr/>
+        <p:txBody>
+          <a:bodyPr/>
+          <a:lstStyle/>
+          <a:p>
+            <a:fld id="{6294761A-CFE9-4878-87A7-90ECABD59CE5}" type="slidenum">
+              <a:rPr kumimoji="1" lang="ja-JP" altLang="en-US" smtClean="0"/>
+              <a:t>7</a:t>
+            </a:fld>
+            <a:endParaRPr kumimoji="1" lang="ja-JP" altLang="en-US"/>
+          </a:p>
+        </p:txBody>
+      </p:sp>
+      <p:sp>
+        <p:nvSpPr>
+          <p:cNvPr id="5" name="フッター プレースホルダー 4">
+            <a:extLst>
+              <a:ext uri="{FF2B5EF4-FFF2-40B4-BE49-F238E27FC236}">
+                <a16:creationId xmlns:a16="http://schemas.microsoft.com/office/drawing/2014/main" id="{5F46AA82-4455-E58F-E9AD-1D83DF0A85DA}"/>
+              </a:ext>
+            </a:extLst>
+          </p:cNvPr>
+          <p:cNvSpPr>
+            <a:spLocks noGrp="1"/>
+          </p:cNvSpPr>
+          <p:nvPr>
+            <p:ph type="ftr" sz="quarter" idx="3"/>
+          </p:nvPr>
+        </p:nvSpPr>
+        <p:spPr/>
+        <p:txBody>
+          <a:bodyPr/>
+          <a:lstStyle/>
+          <a:p>
+            <a:r>
+              <a:rPr lang="en-US" altLang="ja-JP"/>
+              <a:t>Wave Signal Processing Circuit Laboratory,  Meiji University</a:t>
+            </a:r>
+            <a:endParaRPr lang="en-US" altLang="ja-JP" dirty="0"/>
+          </a:p>
+        </p:txBody>
+      </p:sp>
+      <p:pic>
+        <p:nvPicPr>
+          <p:cNvPr id="7" name="図 6" descr="ゲームの画面&#10;&#10;低い精度で自動的に生成された説明">
+            <a:extLst>
+              <a:ext uri="{FF2B5EF4-FFF2-40B4-BE49-F238E27FC236}">
+                <a16:creationId xmlns:a16="http://schemas.microsoft.com/office/drawing/2014/main" id="{112ECF1C-036D-F35F-AE24-1EEEA2C8C211}"/>
+              </a:ext>
+            </a:extLst>
+          </p:cNvPr>
+          <p:cNvPicPr>
+            <a:picLocks noChangeAspect="1"/>
+          </p:cNvPicPr>
+          <p:nvPr/>
+        </p:nvPicPr>
+        <p:blipFill>
+          <a:blip r:embed="rId2">
+            <a:extLst>
+              <a:ext uri="{28A0092B-C50C-407E-A947-70E740481C1C}">
+                <a14:useLocalDpi xmlns:a14="http://schemas.microsoft.com/office/drawing/2010/main" val="0"/>
+              </a:ext>
+            </a:extLst>
+          </a:blip>
+          <a:stretch>
+            <a:fillRect/>
+          </a:stretch>
+        </p:blipFill>
+        <p:spPr>
+          <a:xfrm>
+            <a:off x="2537787" y="1101577"/>
+            <a:ext cx="6911013" cy="5471219"/>
+          </a:xfrm>
+          <a:prstGeom prst="rect">
+            <a:avLst/>
+          </a:prstGeom>
+        </p:spPr>
+      </p:pic>
+    </p:spTree>
+    <p:extLst>
+      <p:ext uri="{BB962C8B-B14F-4D97-AF65-F5344CB8AC3E}">
+        <p14:creationId xmlns:p14="http://schemas.microsoft.com/office/powerpoint/2010/main" val="3891685286"/>
+      </p:ext>
+    </p:extLst>
+  </p:cSld>
+  <p:clrMapOvr>
+    <a:masterClrMapping/>
+  </p:clrMapOvr>
+</p:sld>
+</file>
+
+<file path=ppt/slides/slide8.xml><?xml version="1.0" encoding="utf-8"?>
+<p:sld xmlns:a="http://schemas.openxmlformats.org/drawingml/2006/main" xmlns:r="http://schemas.openxmlformats.org/officeDocument/2006/relationships" xmlns:p="http://schemas.openxmlformats.org/presentationml/2006/main">
+  <p:cSld>
+    <p:spTree>
+      <p:nvGrpSpPr>
+        <p:cNvPr id="1" name=""/>
+        <p:cNvGrpSpPr/>
+        <p:nvPr/>
+      </p:nvGrpSpPr>
+      <p:grpSpPr>
+        <a:xfrm>
+          <a:off x="0" y="0"/>
+          <a:ext cx="0" cy="0"/>
+          <a:chOff x="0" y="0"/>
+          <a:chExt cx="0" cy="0"/>
+        </a:xfrm>
+      </p:grpSpPr>
+      <p:sp>
+        <p:nvSpPr>
+          <p:cNvPr id="2" name="タイトル 1">
+            <a:extLst>
+              <a:ext uri="{FF2B5EF4-FFF2-40B4-BE49-F238E27FC236}">
+                <a16:creationId xmlns:a16="http://schemas.microsoft.com/office/drawing/2014/main" id="{D1C2542B-9AD6-C89C-6CF3-BF2BAD192CE3}"/>
+              </a:ext>
+            </a:extLst>
+          </p:cNvPr>
+          <p:cNvSpPr>
+            <a:spLocks noGrp="1"/>
+          </p:cNvSpPr>
+          <p:nvPr>
+            <p:ph type="title"/>
+          </p:nvPr>
+        </p:nvSpPr>
+        <p:spPr/>
+        <p:txBody>
+          <a:bodyPr/>
+          <a:lstStyle/>
+          <a:p>
+            <a:r>
+              <a:rPr lang="ja-JP" altLang="en-US" dirty="0"/>
+              <a:t>まとめ</a:t>
+            </a:r>
+            <a:endParaRPr kumimoji="1" lang="ja-JP" altLang="en-US" dirty="0"/>
+          </a:p>
+        </p:txBody>
+      </p:sp>
+      <p:sp>
+        <p:nvSpPr>
+          <p:cNvPr id="3" name="日付プレースホルダー 2">
+            <a:extLst>
+              <a:ext uri="{FF2B5EF4-FFF2-40B4-BE49-F238E27FC236}">
+                <a16:creationId xmlns:a16="http://schemas.microsoft.com/office/drawing/2014/main" id="{4C98D62C-DFAF-54C1-9F9B-BA6D602AAC88}"/>
+              </a:ext>
+            </a:extLst>
+          </p:cNvPr>
+          <p:cNvSpPr>
+            <a:spLocks noGrp="1"/>
+          </p:cNvSpPr>
+          <p:nvPr>
+            <p:ph type="dt" sz="half" idx="10"/>
+          </p:nvPr>
+        </p:nvSpPr>
+        <p:spPr/>
+        <p:txBody>
+          <a:bodyPr/>
+          <a:lstStyle/>
+          <a:p>
+            <a:r>
+              <a:rPr kumimoji="1" lang="en-US" altLang="ja-JP"/>
+              <a:t>2024/1/30</a:t>
+            </a:r>
+            <a:endParaRPr kumimoji="1" lang="ja-JP" altLang="en-US"/>
+          </a:p>
+        </p:txBody>
+      </p:sp>
+      <p:sp>
+        <p:nvSpPr>
+          <p:cNvPr id="4" name="スライド番号プレースホルダー 3">
+            <a:extLst>
+              <a:ext uri="{FF2B5EF4-FFF2-40B4-BE49-F238E27FC236}">
+                <a16:creationId xmlns:a16="http://schemas.microsoft.com/office/drawing/2014/main" id="{9C2DEC4D-62FF-5D1B-3D5D-46450C21D6D7}"/>
+              </a:ext>
+            </a:extLst>
+          </p:cNvPr>
+          <p:cNvSpPr>
+            <a:spLocks noGrp="1"/>
+          </p:cNvSpPr>
+          <p:nvPr>
+            <p:ph type="sldNum" sz="quarter" idx="12"/>
+          </p:nvPr>
+        </p:nvSpPr>
+        <p:spPr/>
+        <p:txBody>
+          <a:bodyPr/>
+          <a:lstStyle/>
+          <a:p>
+            <a:fld id="{6294761A-CFE9-4878-87A7-90ECABD59CE5}" type="slidenum">
+              <a:rPr kumimoji="1" lang="ja-JP" altLang="en-US" smtClean="0"/>
+              <a:t>8</a:t>
+            </a:fld>
+            <a:endParaRPr kumimoji="1" lang="ja-JP" altLang="en-US"/>
+          </a:p>
+        </p:txBody>
+      </p:sp>
+      <p:sp>
+        <p:nvSpPr>
+          <p:cNvPr id="5" name="フッター プレースホルダー 4">
+            <a:extLst>
+              <a:ext uri="{FF2B5EF4-FFF2-40B4-BE49-F238E27FC236}">
+                <a16:creationId xmlns:a16="http://schemas.microsoft.com/office/drawing/2014/main" id="{A6962EEB-01AA-6679-6732-EB14955F8E26}"/>
+              </a:ext>
+            </a:extLst>
+          </p:cNvPr>
+          <p:cNvSpPr>
+            <a:spLocks noGrp="1"/>
+          </p:cNvSpPr>
+          <p:nvPr>
+            <p:ph type="ftr" sz="quarter" idx="3"/>
+          </p:nvPr>
+        </p:nvSpPr>
+        <p:spPr/>
+        <p:txBody>
+          <a:bodyPr/>
+          <a:lstStyle/>
+          <a:p>
+            <a:r>
+              <a:rPr lang="en-US" altLang="ja-JP"/>
+              <a:t>Wave Signal Processing Circuit Laboratory,  Meiji University</a:t>
+            </a:r>
+            <a:endParaRPr lang="en-US" altLang="ja-JP" dirty="0"/>
+          </a:p>
+        </p:txBody>
+      </p:sp>
+      <p:sp>
+        <p:nvSpPr>
+          <p:cNvPr id="6" name="テキスト ボックス 5">
+            <a:extLst>
+              <a:ext uri="{FF2B5EF4-FFF2-40B4-BE49-F238E27FC236}">
+                <a16:creationId xmlns:a16="http://schemas.microsoft.com/office/drawing/2014/main" id="{5D4668B6-5CD6-523D-7289-A9994CE051D4}"/>
+              </a:ext>
+            </a:extLst>
+          </p:cNvPr>
+          <p:cNvSpPr txBox="1"/>
+          <p:nvPr/>
+        </p:nvSpPr>
+        <p:spPr>
+          <a:xfrm>
+            <a:off x="2865120" y="2768453"/>
+            <a:ext cx="6461760" cy="2031325"/>
+          </a:xfrm>
+          <a:prstGeom prst="rect">
+            <a:avLst/>
+          </a:prstGeom>
+          <a:noFill/>
+        </p:spPr>
+        <p:txBody>
+          <a:bodyPr wrap="square" rtlCol="0">
+            <a:spAutoFit/>
+          </a:bodyPr>
+          <a:lstStyle/>
+          <a:p>
+            <a:pPr marL="285750" indent="-285750" algn="l">
+              <a:buFont typeface="Arial" panose="020B0604020202020204" pitchFamily="34" charset="0"/>
+              <a:buChar char="•"/>
+            </a:pPr>
+            <a:r>
+              <a:rPr kumimoji="1" lang="ja-JP" altLang="en-US" dirty="0">
+                <a:latin typeface="BKM-cmr10" panose="020B0501010101010101" pitchFamily="34" charset="2"/>
+              </a:rPr>
+              <a:t>電圧源の精度が想像より良く、十分共用できる誤差</a:t>
+            </a:r>
+            <a:endParaRPr kumimoji="1" lang="en-US" altLang="ja-JP" dirty="0">
+              <a:latin typeface="BKM-cmr10" panose="020B0501010101010101" pitchFamily="34" charset="2"/>
+            </a:endParaRPr>
+          </a:p>
+          <a:p>
+            <a:pPr marL="285750" indent="-285750" algn="l">
+              <a:buFont typeface="Arial" panose="020B0604020202020204" pitchFamily="34" charset="0"/>
+              <a:buChar char="•"/>
+            </a:pPr>
+            <a:endParaRPr lang="en-US" altLang="ja-JP" dirty="0">
+              <a:latin typeface="BKM-cmr10" panose="020B0501010101010101" pitchFamily="34" charset="2"/>
+            </a:endParaRPr>
+          </a:p>
+          <a:p>
+            <a:pPr marL="285750" indent="-285750" algn="l">
+              <a:buFont typeface="Arial" panose="020B0604020202020204" pitchFamily="34" charset="0"/>
+              <a:buChar char="•"/>
+            </a:pPr>
+            <a:r>
+              <a:rPr kumimoji="1" lang="ja-JP" altLang="en-US" dirty="0">
+                <a:latin typeface="BKM-cmr10" panose="020B0501010101010101" pitchFamily="34" charset="2"/>
+              </a:rPr>
+              <a:t>カレントミラーの素子値を合わせた</a:t>
+            </a:r>
+            <a:endParaRPr kumimoji="1" lang="en-US" altLang="ja-JP" dirty="0">
+              <a:latin typeface="BKM-cmr10" panose="020B0501010101010101" pitchFamily="34" charset="2"/>
+            </a:endParaRPr>
+          </a:p>
+          <a:p>
+            <a:pPr marL="285750" indent="-285750" algn="l">
+              <a:buFont typeface="Arial" panose="020B0604020202020204" pitchFamily="34" charset="0"/>
+              <a:buChar char="•"/>
+            </a:pPr>
+            <a:endParaRPr kumimoji="1" lang="en-US" altLang="ja-JP" dirty="0">
+              <a:latin typeface="BKM-cmr10" panose="020B0501010101010101" pitchFamily="34" charset="2"/>
+            </a:endParaRPr>
+          </a:p>
+          <a:p>
+            <a:pPr marL="285750" indent="-285750" algn="l">
+              <a:buFont typeface="Arial" panose="020B0604020202020204" pitchFamily="34" charset="0"/>
+              <a:buChar char="•"/>
+            </a:pPr>
+            <a:r>
+              <a:rPr kumimoji="1" lang="en-US" altLang="ja-JP" dirty="0">
+                <a:latin typeface="BKM-cmr10" panose="020B0501010101010101" pitchFamily="34" charset="2"/>
+              </a:rPr>
+              <a:t>MOS</a:t>
+            </a:r>
+            <a:r>
+              <a:rPr kumimoji="1" lang="ja-JP" altLang="en-US" dirty="0">
+                <a:latin typeface="BKM-cmr10" panose="020B0501010101010101" pitchFamily="34" charset="2"/>
+              </a:rPr>
+              <a:t>はあと差動対のペアのみ</a:t>
+            </a:r>
+            <a:endParaRPr kumimoji="1" lang="en-US" altLang="ja-JP" dirty="0">
+              <a:latin typeface="BKM-cmr10" panose="020B0501010101010101" pitchFamily="34" charset="2"/>
+            </a:endParaRPr>
+          </a:p>
+          <a:p>
+            <a:pPr algn="l"/>
+            <a:r>
+              <a:rPr lang="ja-JP" altLang="en-US" dirty="0">
+                <a:latin typeface="BKM-cmr10" panose="020B0501010101010101" pitchFamily="34" charset="2"/>
+              </a:rPr>
+              <a:t>　 </a:t>
+            </a:r>
+            <a:r>
+              <a:rPr lang="en-US" altLang="ja-JP" dirty="0">
+                <a:latin typeface="BKM-cmr10" panose="020B0501010101010101" pitchFamily="34" charset="2"/>
+              </a:rPr>
+              <a:t>(</a:t>
+            </a:r>
+            <a:r>
+              <a:rPr lang="ja-JP" altLang="en-US" dirty="0">
+                <a:latin typeface="BKM-cmr10" panose="020B0501010101010101" pitchFamily="34" charset="2"/>
+              </a:rPr>
+              <a:t>配線を考慮したレイアウトを心がけているので</a:t>
+            </a:r>
+            <a:endParaRPr lang="en-US" altLang="ja-JP" dirty="0">
+              <a:latin typeface="BKM-cmr10" panose="020B0501010101010101" pitchFamily="34" charset="2"/>
+            </a:endParaRPr>
+          </a:p>
+          <a:p>
+            <a:pPr algn="l"/>
+            <a:r>
+              <a:rPr lang="ja-JP" altLang="en-US" dirty="0">
+                <a:latin typeface="BKM-cmr10" panose="020B0501010101010101" pitchFamily="34" charset="2"/>
+              </a:rPr>
+              <a:t>　　ほとんど並べるだけで配線ができるはず</a:t>
+            </a:r>
+            <a:r>
+              <a:rPr lang="en-US" altLang="ja-JP" dirty="0">
+                <a:latin typeface="BKM-cmr10" panose="020B0501010101010101" pitchFamily="34" charset="2"/>
+              </a:rPr>
+              <a:t>)</a:t>
+            </a:r>
+            <a:endParaRPr kumimoji="1" lang="en-US" altLang="ja-JP" dirty="0">
+              <a:latin typeface="BKM-cmr10" panose="020B0501010101010101" pitchFamily="34" charset="2"/>
+            </a:endParaRPr>
+          </a:p>
+        </p:txBody>
+      </p:sp>
+    </p:spTree>
+    <p:extLst>
+      <p:ext uri="{BB962C8B-B14F-4D97-AF65-F5344CB8AC3E}">
+        <p14:creationId xmlns:p14="http://schemas.microsoft.com/office/powerpoint/2010/main" val="585069462"/>
       </p:ext>
     </p:extLst>
   </p:cSld>
